--- a/Presentations/0807- Actirate.pptx
+++ b/Presentations/0807- Actirate.pptx
@@ -283,7 +283,7 @@
           <a:p>
             <a:fld id="{E96EF77A-ED2B-4B04-8768-2908198AAC08}" type="datetimeFigureOut">
               <a:rPr lang="es-ES" smtClean="0"/>
-              <a:t>07/07/2021</a:t>
+              <a:t>08/07/2021</a:t>
             </a:fld>
             <a:endParaRPr lang="es-ES"/>
           </a:p>
@@ -481,7 +481,7 @@
           <a:p>
             <a:fld id="{E96EF77A-ED2B-4B04-8768-2908198AAC08}" type="datetimeFigureOut">
               <a:rPr lang="es-ES" smtClean="0"/>
-              <a:t>07/07/2021</a:t>
+              <a:t>08/07/2021</a:t>
             </a:fld>
             <a:endParaRPr lang="es-ES"/>
           </a:p>
@@ -689,7 +689,7 @@
           <a:p>
             <a:fld id="{E96EF77A-ED2B-4B04-8768-2908198AAC08}" type="datetimeFigureOut">
               <a:rPr lang="es-ES" smtClean="0"/>
-              <a:t>07/07/2021</a:t>
+              <a:t>08/07/2021</a:t>
             </a:fld>
             <a:endParaRPr lang="es-ES"/>
           </a:p>
@@ -887,7 +887,7 @@
           <a:p>
             <a:fld id="{E96EF77A-ED2B-4B04-8768-2908198AAC08}" type="datetimeFigureOut">
               <a:rPr lang="es-ES" smtClean="0"/>
-              <a:t>07/07/2021</a:t>
+              <a:t>08/07/2021</a:t>
             </a:fld>
             <a:endParaRPr lang="es-ES"/>
           </a:p>
@@ -1162,7 +1162,7 @@
           <a:p>
             <a:fld id="{E96EF77A-ED2B-4B04-8768-2908198AAC08}" type="datetimeFigureOut">
               <a:rPr lang="es-ES" smtClean="0"/>
-              <a:t>07/07/2021</a:t>
+              <a:t>08/07/2021</a:t>
             </a:fld>
             <a:endParaRPr lang="es-ES"/>
           </a:p>
@@ -1427,7 +1427,7 @@
           <a:p>
             <a:fld id="{E96EF77A-ED2B-4B04-8768-2908198AAC08}" type="datetimeFigureOut">
               <a:rPr lang="es-ES" smtClean="0"/>
-              <a:t>07/07/2021</a:t>
+              <a:t>08/07/2021</a:t>
             </a:fld>
             <a:endParaRPr lang="es-ES"/>
           </a:p>
@@ -1839,7 +1839,7 @@
           <a:p>
             <a:fld id="{E96EF77A-ED2B-4B04-8768-2908198AAC08}" type="datetimeFigureOut">
               <a:rPr lang="es-ES" smtClean="0"/>
-              <a:t>07/07/2021</a:t>
+              <a:t>08/07/2021</a:t>
             </a:fld>
             <a:endParaRPr lang="es-ES"/>
           </a:p>
@@ -1980,7 +1980,7 @@
           <a:p>
             <a:fld id="{E96EF77A-ED2B-4B04-8768-2908198AAC08}" type="datetimeFigureOut">
               <a:rPr lang="es-ES" smtClean="0"/>
-              <a:t>07/07/2021</a:t>
+              <a:t>08/07/2021</a:t>
             </a:fld>
             <a:endParaRPr lang="es-ES"/>
           </a:p>
@@ -2093,7 +2093,7 @@
           <a:p>
             <a:fld id="{E96EF77A-ED2B-4B04-8768-2908198AAC08}" type="datetimeFigureOut">
               <a:rPr lang="es-ES" smtClean="0"/>
-              <a:t>07/07/2021</a:t>
+              <a:t>08/07/2021</a:t>
             </a:fld>
             <a:endParaRPr lang="es-ES"/>
           </a:p>
@@ -2404,7 +2404,7 @@
           <a:p>
             <a:fld id="{E96EF77A-ED2B-4B04-8768-2908198AAC08}" type="datetimeFigureOut">
               <a:rPr lang="es-ES" smtClean="0"/>
-              <a:t>07/07/2021</a:t>
+              <a:t>08/07/2021</a:t>
             </a:fld>
             <a:endParaRPr lang="es-ES"/>
           </a:p>
@@ -2692,7 +2692,7 @@
           <a:p>
             <a:fld id="{E96EF77A-ED2B-4B04-8768-2908198AAC08}" type="datetimeFigureOut">
               <a:rPr lang="es-ES" smtClean="0"/>
-              <a:t>07/07/2021</a:t>
+              <a:t>08/07/2021</a:t>
             </a:fld>
             <a:endParaRPr lang="es-ES"/>
           </a:p>
@@ -2933,7 +2933,7 @@
           <a:p>
             <a:fld id="{E96EF77A-ED2B-4B04-8768-2908198AAC08}" type="datetimeFigureOut">
               <a:rPr lang="es-ES" smtClean="0"/>
-              <a:t>07/07/2021</a:t>
+              <a:t>08/07/2021</a:t>
             </a:fld>
             <a:endParaRPr lang="es-ES"/>
           </a:p>
@@ -3373,7 +3373,7 @@
           <a:p>
             <a:r>
               <a:rPr lang="es-ES" dirty="0" err="1"/>
-              <a:t>Actirate</a:t>
+              <a:t>actirate</a:t>
             </a:r>
             <a:r>
               <a:rPr lang="es-ES" dirty="0"/>
@@ -3381,7 +3381,7 @@
             </a:r>
             <a:r>
               <a:rPr lang="es-ES" dirty="0" err="1"/>
-              <a:t>Actibelt</a:t>
+              <a:t>actibelt</a:t>
             </a:r>
             <a:r>
               <a:rPr lang="es-ES" dirty="0"/>
@@ -3473,11 +3473,11 @@
             </a:r>
             <a:r>
               <a:rPr lang="es-ES" dirty="0"/>
-              <a:t> </a:t>
-            </a:r>
-            <a:r>
-              <a:rPr lang="es-ES" dirty="0" err="1"/>
-              <a:t>Actibelt</a:t>
+              <a:t> a</a:t>
+            </a:r>
+            <a:r>
+              <a:rPr lang="es-ES"/>
+              <a:t>ctibelt</a:t>
             </a:r>
             <a:r>
               <a:rPr lang="es-ES" dirty="0"/>
@@ -4149,471 +4149,8 @@
           </a:p>
         </p:txBody>
       </p:sp>
-      <mc:AlternateContent xmlns:mc="http://schemas.openxmlformats.org/markup-compatibility/2006">
-        <mc:Choice xmlns:a14="http://schemas.microsoft.com/office/drawing/2010/main" Requires="a14">
-          <p:sp>
-            <p:nvSpPr>
-              <p:cNvPr id="5" name="CuadroTexto 4">
-                <a:extLst>
-                  <a:ext uri="{FF2B5EF4-FFF2-40B4-BE49-F238E27FC236}">
-                    <a16:creationId xmlns:a16="http://schemas.microsoft.com/office/drawing/2014/main" id="{95D4598C-3671-4C26-A9D5-FA3E37B3CFE4}"/>
-                  </a:ext>
-                </a:extLst>
-              </p:cNvPr>
-              <p:cNvSpPr txBox="1"/>
-              <p:nvPr/>
-            </p:nvSpPr>
-            <p:spPr>
-              <a:xfrm>
-                <a:off x="2758428" y="6218555"/>
-                <a:ext cx="1490986" cy="276999"/>
-              </a:xfrm>
-              <a:prstGeom prst="rect">
-                <a:avLst/>
-              </a:prstGeom>
-              <a:noFill/>
-            </p:spPr>
-            <p:txBody>
-              <a:bodyPr wrap="none" lIns="0" tIns="0" rIns="0" bIns="0" rtlCol="0">
-                <a:spAutoFit/>
-              </a:bodyPr>
-              <a:lstStyle/>
-              <a:p>
-                <a14:m>
-                  <m:oMathPara xmlns:m="http://schemas.openxmlformats.org/officeDocument/2006/math">
-                    <m:oMathParaPr>
-                      <m:jc m:val="centerGroup"/>
-                    </m:oMathParaPr>
-                    <m:oMath xmlns:m="http://schemas.openxmlformats.org/officeDocument/2006/math">
-                      <m:sSub>
-                        <m:sSubPr>
-                          <m:ctrlPr>
-                            <a:rPr lang="es-ES" b="0" i="1" smtClean="0">
-                              <a:latin typeface="Cambria Math" panose="02040503050406030204" pitchFamily="18" charset="0"/>
-                            </a:rPr>
-                          </m:ctrlPr>
-                        </m:sSubPr>
-                        <m:e>
-                          <m:r>
-                            <a:rPr lang="es-ES" b="0" i="1" smtClean="0">
-                              <a:latin typeface="Cambria Math" panose="02040503050406030204" pitchFamily="18" charset="0"/>
-                            </a:rPr>
-                            <m:t>𝑓</m:t>
-                          </m:r>
-                        </m:e>
-                        <m:sub>
-                          <m:r>
-                            <a:rPr lang="es-ES" b="0" i="1" smtClean="0">
-                              <a:latin typeface="Cambria Math" panose="02040503050406030204" pitchFamily="18" charset="0"/>
-                            </a:rPr>
-                            <m:t>𝐻𝑅</m:t>
-                          </m:r>
-                        </m:sub>
-                      </m:sSub>
-                      <m:r>
-                        <a:rPr lang="es-ES" b="0" i="1" smtClean="0">
-                          <a:latin typeface="Cambria Math" panose="02040503050406030204" pitchFamily="18" charset="0"/>
-                        </a:rPr>
-                        <m:t>=78 </m:t>
-                      </m:r>
-                      <m:r>
-                        <a:rPr lang="es-ES" b="0" i="1" smtClean="0">
-                          <a:latin typeface="Cambria Math" panose="02040503050406030204" pitchFamily="18" charset="0"/>
-                        </a:rPr>
-                        <m:t>𝑏𝑝𝑚</m:t>
-                      </m:r>
-                    </m:oMath>
-                  </m:oMathPara>
-                </a14:m>
-                <a:endParaRPr lang="es-ES" dirty="0"/>
-              </a:p>
-            </p:txBody>
-          </p:sp>
-        </mc:Choice>
-        <mc:Fallback>
-          <p:sp>
-            <p:nvSpPr>
-              <p:cNvPr id="5" name="CuadroTexto 4">
-                <a:extLst>
-                  <a:ext uri="{FF2B5EF4-FFF2-40B4-BE49-F238E27FC236}">
-                    <a16:creationId xmlns:a16="http://schemas.microsoft.com/office/drawing/2014/main" id="{95D4598C-3671-4C26-A9D5-FA3E37B3CFE4}"/>
-                  </a:ext>
-                </a:extLst>
-              </p:cNvPr>
-              <p:cNvSpPr txBox="1">
-                <a:spLocks noRot="1" noChangeAspect="1" noMove="1" noResize="1" noEditPoints="1" noAdjustHandles="1" noChangeArrowheads="1" noChangeShapeType="1" noTextEdit="1"/>
-              </p:cNvSpPr>
-              <p:nvPr/>
-            </p:nvSpPr>
-            <p:spPr>
-              <a:xfrm>
-                <a:off x="2758428" y="6218555"/>
-                <a:ext cx="1490986" cy="276999"/>
-              </a:xfrm>
-              <a:prstGeom prst="rect">
-                <a:avLst/>
-              </a:prstGeom>
-              <a:blipFill>
-                <a:blip r:embed="rId4"/>
-                <a:stretch>
-                  <a:fillRect l="-4082" t="-2174" r="-3673" b="-32609"/>
-                </a:stretch>
-              </a:blipFill>
-            </p:spPr>
-            <p:txBody>
-              <a:bodyPr/>
-              <a:lstStyle/>
-              <a:p>
-                <a:r>
-                  <a:rPr lang="es-ES">
-                    <a:noFill/>
-                  </a:rPr>
-                  <a:t> </a:t>
-                </a:r>
-              </a:p>
-            </p:txBody>
-          </p:sp>
-        </mc:Fallback>
-      </mc:AlternateContent>
-      <mc:AlternateContent xmlns:mc="http://schemas.openxmlformats.org/markup-compatibility/2006">
-        <mc:Choice xmlns:a14="http://schemas.microsoft.com/office/drawing/2010/main" Requires="a14">
-          <p:sp>
-            <p:nvSpPr>
-              <p:cNvPr id="9" name="CuadroTexto 8">
-                <a:extLst>
-                  <a:ext uri="{FF2B5EF4-FFF2-40B4-BE49-F238E27FC236}">
-                    <a16:creationId xmlns:a16="http://schemas.microsoft.com/office/drawing/2014/main" id="{EBFE7A64-7B44-4F4B-B572-7A91FC8331A3}"/>
-                  </a:ext>
-                </a:extLst>
-              </p:cNvPr>
-              <p:cNvSpPr txBox="1"/>
-              <p:nvPr/>
-            </p:nvSpPr>
-            <p:spPr>
-              <a:xfrm>
-                <a:off x="8369092" y="6218555"/>
-                <a:ext cx="1490986" cy="276999"/>
-              </a:xfrm>
-              <a:prstGeom prst="rect">
-                <a:avLst/>
-              </a:prstGeom>
-              <a:noFill/>
-            </p:spPr>
-            <p:txBody>
-              <a:bodyPr wrap="none" lIns="0" tIns="0" rIns="0" bIns="0" rtlCol="0">
-                <a:spAutoFit/>
-              </a:bodyPr>
-              <a:lstStyle/>
-              <a:p>
-                <a14:m>
-                  <m:oMathPara xmlns:m="http://schemas.openxmlformats.org/officeDocument/2006/math">
-                    <m:oMathParaPr>
-                      <m:jc m:val="centerGroup"/>
-                    </m:oMathParaPr>
-                    <m:oMath xmlns:m="http://schemas.openxmlformats.org/officeDocument/2006/math">
-                      <m:sSub>
-                        <m:sSubPr>
-                          <m:ctrlPr>
-                            <a:rPr lang="es-ES" b="0" i="1" smtClean="0">
-                              <a:latin typeface="Cambria Math" panose="02040503050406030204" pitchFamily="18" charset="0"/>
-                            </a:rPr>
-                          </m:ctrlPr>
-                        </m:sSubPr>
-                        <m:e>
-                          <m:r>
-                            <a:rPr lang="es-ES" b="0" i="1" smtClean="0">
-                              <a:latin typeface="Cambria Math" panose="02040503050406030204" pitchFamily="18" charset="0"/>
-                            </a:rPr>
-                            <m:t>𝑓</m:t>
-                          </m:r>
-                        </m:e>
-                        <m:sub>
-                          <m:r>
-                            <a:rPr lang="es-ES" b="0" i="1" smtClean="0">
-                              <a:latin typeface="Cambria Math" panose="02040503050406030204" pitchFamily="18" charset="0"/>
-                            </a:rPr>
-                            <m:t>𝐻𝑅</m:t>
-                          </m:r>
-                        </m:sub>
-                      </m:sSub>
-                      <m:r>
-                        <a:rPr lang="es-ES" b="0" i="1" smtClean="0">
-                          <a:latin typeface="Cambria Math" panose="02040503050406030204" pitchFamily="18" charset="0"/>
-                        </a:rPr>
-                        <m:t>=78 </m:t>
-                      </m:r>
-                      <m:r>
-                        <a:rPr lang="es-ES" b="0" i="1" smtClean="0">
-                          <a:latin typeface="Cambria Math" panose="02040503050406030204" pitchFamily="18" charset="0"/>
-                        </a:rPr>
-                        <m:t>𝑏𝑝𝑚</m:t>
-                      </m:r>
-                    </m:oMath>
-                  </m:oMathPara>
-                </a14:m>
-                <a:endParaRPr lang="es-ES" dirty="0"/>
-              </a:p>
-            </p:txBody>
-          </p:sp>
-        </mc:Choice>
-        <mc:Fallback>
-          <p:sp>
-            <p:nvSpPr>
-              <p:cNvPr id="9" name="CuadroTexto 8">
-                <a:extLst>
-                  <a:ext uri="{FF2B5EF4-FFF2-40B4-BE49-F238E27FC236}">
-                    <a16:creationId xmlns:a16="http://schemas.microsoft.com/office/drawing/2014/main" id="{EBFE7A64-7B44-4F4B-B572-7A91FC8331A3}"/>
-                  </a:ext>
-                </a:extLst>
-              </p:cNvPr>
-              <p:cNvSpPr txBox="1">
-                <a:spLocks noRot="1" noChangeAspect="1" noMove="1" noResize="1" noEditPoints="1" noAdjustHandles="1" noChangeArrowheads="1" noChangeShapeType="1" noTextEdit="1"/>
-              </p:cNvSpPr>
-              <p:nvPr/>
-            </p:nvSpPr>
-            <p:spPr>
-              <a:xfrm>
-                <a:off x="8369092" y="6218555"/>
-                <a:ext cx="1490986" cy="276999"/>
-              </a:xfrm>
-              <a:prstGeom prst="rect">
-                <a:avLst/>
-              </a:prstGeom>
-              <a:blipFill>
-                <a:blip r:embed="rId5"/>
-                <a:stretch>
-                  <a:fillRect l="-4098" t="-2174" r="-4098" b="-32609"/>
-                </a:stretch>
-              </a:blipFill>
-            </p:spPr>
-            <p:txBody>
-              <a:bodyPr/>
-              <a:lstStyle/>
-              <a:p>
-                <a:r>
-                  <a:rPr lang="es-ES">
-                    <a:noFill/>
-                  </a:rPr>
-                  <a:t> </a:t>
-                </a:r>
-              </a:p>
-            </p:txBody>
-          </p:sp>
-        </mc:Fallback>
-      </mc:AlternateContent>
-    </p:spTree>
-    <p:extLst>
-      <p:ext uri="{BB962C8B-B14F-4D97-AF65-F5344CB8AC3E}">
-        <p14:creationId xmlns:p14="http://schemas.microsoft.com/office/powerpoint/2010/main" val="1532679854"/>
-      </p:ext>
-    </p:extLst>
-  </p:cSld>
-  <p:clrMapOvr>
-    <a:masterClrMapping/>
-  </p:clrMapOvr>
-</p:sld>
-</file>
-
-<file path=ppt/slides/slide12.xml><?xml version="1.0" encoding="utf-8"?>
-<p:sld xmlns:a="http://schemas.openxmlformats.org/drawingml/2006/main" xmlns:r="http://schemas.openxmlformats.org/officeDocument/2006/relationships" xmlns:p="http://schemas.openxmlformats.org/presentationml/2006/main">
-  <p:cSld>
-    <p:spTree>
-      <p:nvGrpSpPr>
-        <p:cNvPr id="1" name=""/>
-        <p:cNvGrpSpPr/>
-        <p:nvPr/>
-      </p:nvGrpSpPr>
-      <p:grpSpPr>
-        <a:xfrm>
-          <a:off x="0" y="0"/>
-          <a:ext cx="0" cy="0"/>
-          <a:chOff x="0" y="0"/>
-          <a:chExt cx="0" cy="0"/>
-        </a:xfrm>
-      </p:grpSpPr>
-      <p:sp>
-        <p:nvSpPr>
-          <p:cNvPr id="2" name="Título 1">
-            <a:extLst>
-              <a:ext uri="{FF2B5EF4-FFF2-40B4-BE49-F238E27FC236}">
-                <a16:creationId xmlns:a16="http://schemas.microsoft.com/office/drawing/2014/main" id="{89F6479A-A02E-4269-9817-198CCD1EB0D5}"/>
-              </a:ext>
-            </a:extLst>
-          </p:cNvPr>
-          <p:cNvSpPr>
-            <a:spLocks noGrp="1"/>
-          </p:cNvSpPr>
-          <p:nvPr>
-            <p:ph type="title"/>
-          </p:nvPr>
-        </p:nvSpPr>
-        <p:spPr/>
-        <p:txBody>
-          <a:bodyPr/>
-          <a:lstStyle/>
-          <a:p>
-            <a:r>
-              <a:rPr lang="es-ES" dirty="0" err="1"/>
-              <a:t>Comparing</a:t>
-            </a:r>
-            <a:r>
-              <a:rPr lang="es-ES" dirty="0"/>
-              <a:t> </a:t>
-            </a:r>
-            <a:r>
-              <a:rPr lang="es-ES" dirty="0" err="1"/>
-              <a:t>results</a:t>
-            </a:r>
-            <a:r>
-              <a:rPr lang="es-ES" dirty="0"/>
-              <a:t> in </a:t>
-            </a:r>
-            <a:r>
-              <a:rPr lang="es-ES" dirty="0" err="1"/>
-              <a:t>different</a:t>
-            </a:r>
-            <a:r>
-              <a:rPr lang="es-ES" dirty="0"/>
-              <a:t> </a:t>
-            </a:r>
-            <a:r>
-              <a:rPr lang="es-ES" dirty="0" err="1"/>
-              <a:t>bodyparts</a:t>
-            </a:r>
-            <a:endParaRPr lang="es-ES" dirty="0"/>
-          </a:p>
-        </p:txBody>
-      </p:sp>
-      <p:sp>
-        <p:nvSpPr>
-          <p:cNvPr id="4" name="CuadroTexto 3">
-            <a:extLst>
-              <a:ext uri="{FF2B5EF4-FFF2-40B4-BE49-F238E27FC236}">
-                <a16:creationId xmlns:a16="http://schemas.microsoft.com/office/drawing/2014/main" id="{422576E0-F04D-4005-9427-AD4A8A010CDB}"/>
-              </a:ext>
-            </a:extLst>
-          </p:cNvPr>
-          <p:cNvSpPr txBox="1"/>
-          <p:nvPr/>
-        </p:nvSpPr>
-        <p:spPr>
-          <a:xfrm>
-            <a:off x="6652812" y="1984338"/>
-            <a:ext cx="3882683" cy="369332"/>
-          </a:xfrm>
-          <a:prstGeom prst="rect">
-            <a:avLst/>
-          </a:prstGeom>
-          <a:noFill/>
-        </p:spPr>
-        <p:txBody>
-          <a:bodyPr wrap="square" rtlCol="0">
-            <a:spAutoFit/>
-          </a:bodyPr>
-          <a:lstStyle/>
-          <a:p>
-            <a:pPr algn="ctr"/>
-            <a:r>
-              <a:rPr lang="es-ES" dirty="0" err="1"/>
-              <a:t>Device</a:t>
-            </a:r>
-            <a:r>
-              <a:rPr lang="es-ES" dirty="0"/>
-              <a:t> 2 (</a:t>
-            </a:r>
-            <a:r>
-              <a:rPr lang="es-ES" dirty="0" err="1"/>
-              <a:t>right</a:t>
-            </a:r>
-            <a:r>
-              <a:rPr lang="es-ES" dirty="0"/>
-              <a:t> </a:t>
-            </a:r>
-            <a:r>
-              <a:rPr lang="es-ES" dirty="0" err="1"/>
-              <a:t>index</a:t>
-            </a:r>
-            <a:r>
-              <a:rPr lang="es-ES" dirty="0"/>
-              <a:t> </a:t>
-            </a:r>
-            <a:r>
-              <a:rPr lang="es-ES" dirty="0" err="1"/>
-              <a:t>finger</a:t>
-            </a:r>
-            <a:r>
-              <a:rPr lang="es-ES" dirty="0"/>
-              <a:t>)</a:t>
-            </a:r>
-          </a:p>
-        </p:txBody>
-      </p:sp>
-      <p:sp>
-        <p:nvSpPr>
-          <p:cNvPr id="7" name="CuadroTexto 6">
-            <a:extLst>
-              <a:ext uri="{FF2B5EF4-FFF2-40B4-BE49-F238E27FC236}">
-                <a16:creationId xmlns:a16="http://schemas.microsoft.com/office/drawing/2014/main" id="{897679D9-2335-489B-9414-20FA18C23F05}"/>
-              </a:ext>
-            </a:extLst>
-          </p:cNvPr>
-          <p:cNvSpPr txBox="1"/>
-          <p:nvPr/>
-        </p:nvSpPr>
-        <p:spPr>
-          <a:xfrm>
-            <a:off x="1248474" y="1984338"/>
-            <a:ext cx="3882683" cy="369332"/>
-          </a:xfrm>
-          <a:prstGeom prst="rect">
-            <a:avLst/>
-          </a:prstGeom>
-          <a:noFill/>
-        </p:spPr>
-        <p:txBody>
-          <a:bodyPr wrap="square" rtlCol="0">
-            <a:spAutoFit/>
-          </a:bodyPr>
-          <a:lstStyle/>
-          <a:p>
-            <a:pPr algn="ctr"/>
-            <a:r>
-              <a:rPr lang="es-ES" dirty="0" err="1"/>
-              <a:t>Device</a:t>
-            </a:r>
-            <a:r>
-              <a:rPr lang="es-ES" dirty="0"/>
-              <a:t> 1 (</a:t>
-            </a:r>
-            <a:r>
-              <a:rPr lang="es-ES" dirty="0" err="1"/>
-              <a:t>left</a:t>
-            </a:r>
-            <a:r>
-              <a:rPr lang="es-ES" dirty="0"/>
-              <a:t> </a:t>
-            </a:r>
-            <a:r>
-              <a:rPr lang="es-ES" dirty="0" err="1"/>
-              <a:t>index</a:t>
-            </a:r>
-            <a:r>
-              <a:rPr lang="es-ES" dirty="0"/>
-              <a:t> </a:t>
-            </a:r>
-            <a:r>
-              <a:rPr lang="es-ES" dirty="0" err="1"/>
-              <a:t>finger</a:t>
-            </a:r>
-            <a:r>
-              <a:rPr lang="es-ES" dirty="0"/>
-              <a:t>)</a:t>
-            </a:r>
-          </a:p>
-        </p:txBody>
-      </p:sp>
-      <mc:AlternateContent xmlns:mc="http://schemas.openxmlformats.org/markup-compatibility/2006">
-        <mc:Choice xmlns:a14="http://schemas.microsoft.com/office/drawing/2010/main" Requires="a14">
+      <mc:AlternateContent xmlns:mc="http://schemas.openxmlformats.org/markup-compatibility/2006" xmlns:a14="http://schemas.microsoft.com/office/drawing/2010/main">
+        <mc:Choice Requires="a14">
           <p:sp>
             <p:nvSpPr>
               <p:cNvPr id="5" name="CuadroTexto 4">
@@ -4694,7 +4231,7 @@
             </p:txBody>
           </p:sp>
         </mc:Choice>
-        <mc:Fallback>
+        <mc:Fallback xmlns="">
           <p:sp>
             <p:nvSpPr>
               <p:cNvPr id="5" name="CuadroTexto 4">
@@ -4718,7 +4255,7 @@
                 <a:avLst/>
               </a:prstGeom>
               <a:blipFill>
-                <a:blip r:embed="rId2"/>
+                <a:blip r:embed="rId4"/>
                 <a:stretch>
                   <a:fillRect l="-4082" t="-2174" r="-3673" b="-32609"/>
                 </a:stretch>
@@ -4739,8 +4276,8 @@
           </p:sp>
         </mc:Fallback>
       </mc:AlternateContent>
-      <mc:AlternateContent xmlns:mc="http://schemas.openxmlformats.org/markup-compatibility/2006">
-        <mc:Choice xmlns:a14="http://schemas.microsoft.com/office/drawing/2010/main" Requires="a14">
+      <mc:AlternateContent xmlns:mc="http://schemas.openxmlformats.org/markup-compatibility/2006" xmlns:a14="http://schemas.microsoft.com/office/drawing/2010/main">
+        <mc:Choice Requires="a14">
           <p:sp>
             <p:nvSpPr>
               <p:cNvPr id="9" name="CuadroTexto 8">
@@ -4821,7 +4358,472 @@
             </p:txBody>
           </p:sp>
         </mc:Choice>
-        <mc:Fallback>
+        <mc:Fallback xmlns="">
+          <p:sp>
+            <p:nvSpPr>
+              <p:cNvPr id="9" name="CuadroTexto 8">
+                <a:extLst>
+                  <a:ext uri="{FF2B5EF4-FFF2-40B4-BE49-F238E27FC236}">
+                    <a16:creationId xmlns:a16="http://schemas.microsoft.com/office/drawing/2014/main" id="{EBFE7A64-7B44-4F4B-B572-7A91FC8331A3}"/>
+                  </a:ext>
+                </a:extLst>
+              </p:cNvPr>
+              <p:cNvSpPr txBox="1">
+                <a:spLocks noRot="1" noChangeAspect="1" noMove="1" noResize="1" noEditPoints="1" noAdjustHandles="1" noChangeArrowheads="1" noChangeShapeType="1" noTextEdit="1"/>
+              </p:cNvSpPr>
+              <p:nvPr/>
+            </p:nvSpPr>
+            <p:spPr>
+              <a:xfrm>
+                <a:off x="8369092" y="6218555"/>
+                <a:ext cx="1490986" cy="276999"/>
+              </a:xfrm>
+              <a:prstGeom prst="rect">
+                <a:avLst/>
+              </a:prstGeom>
+              <a:blipFill>
+                <a:blip r:embed="rId5"/>
+                <a:stretch>
+                  <a:fillRect l="-4098" t="-2174" r="-4098" b="-32609"/>
+                </a:stretch>
+              </a:blipFill>
+            </p:spPr>
+            <p:txBody>
+              <a:bodyPr/>
+              <a:lstStyle/>
+              <a:p>
+                <a:r>
+                  <a:rPr lang="es-ES">
+                    <a:noFill/>
+                  </a:rPr>
+                  <a:t> </a:t>
+                </a:r>
+              </a:p>
+            </p:txBody>
+          </p:sp>
+        </mc:Fallback>
+      </mc:AlternateContent>
+    </p:spTree>
+    <p:extLst>
+      <p:ext uri="{BB962C8B-B14F-4D97-AF65-F5344CB8AC3E}">
+        <p14:creationId xmlns:p14="http://schemas.microsoft.com/office/powerpoint/2010/main" val="1532679854"/>
+      </p:ext>
+    </p:extLst>
+  </p:cSld>
+  <p:clrMapOvr>
+    <a:masterClrMapping/>
+  </p:clrMapOvr>
+</p:sld>
+</file>
+
+<file path=ppt/slides/slide12.xml><?xml version="1.0" encoding="utf-8"?>
+<p:sld xmlns:a="http://schemas.openxmlformats.org/drawingml/2006/main" xmlns:r="http://schemas.openxmlformats.org/officeDocument/2006/relationships" xmlns:p="http://schemas.openxmlformats.org/presentationml/2006/main">
+  <p:cSld>
+    <p:spTree>
+      <p:nvGrpSpPr>
+        <p:cNvPr id="1" name=""/>
+        <p:cNvGrpSpPr/>
+        <p:nvPr/>
+      </p:nvGrpSpPr>
+      <p:grpSpPr>
+        <a:xfrm>
+          <a:off x="0" y="0"/>
+          <a:ext cx="0" cy="0"/>
+          <a:chOff x="0" y="0"/>
+          <a:chExt cx="0" cy="0"/>
+        </a:xfrm>
+      </p:grpSpPr>
+      <p:sp>
+        <p:nvSpPr>
+          <p:cNvPr id="2" name="Título 1">
+            <a:extLst>
+              <a:ext uri="{FF2B5EF4-FFF2-40B4-BE49-F238E27FC236}">
+                <a16:creationId xmlns:a16="http://schemas.microsoft.com/office/drawing/2014/main" id="{89F6479A-A02E-4269-9817-198CCD1EB0D5}"/>
+              </a:ext>
+            </a:extLst>
+          </p:cNvPr>
+          <p:cNvSpPr>
+            <a:spLocks noGrp="1"/>
+          </p:cNvSpPr>
+          <p:nvPr>
+            <p:ph type="title"/>
+          </p:nvPr>
+        </p:nvSpPr>
+        <p:spPr/>
+        <p:txBody>
+          <a:bodyPr/>
+          <a:lstStyle/>
+          <a:p>
+            <a:r>
+              <a:rPr lang="es-ES" dirty="0" err="1"/>
+              <a:t>Comparing</a:t>
+            </a:r>
+            <a:r>
+              <a:rPr lang="es-ES" dirty="0"/>
+              <a:t> </a:t>
+            </a:r>
+            <a:r>
+              <a:rPr lang="es-ES" dirty="0" err="1"/>
+              <a:t>results</a:t>
+            </a:r>
+            <a:r>
+              <a:rPr lang="es-ES" dirty="0"/>
+              <a:t> in </a:t>
+            </a:r>
+            <a:r>
+              <a:rPr lang="es-ES" dirty="0" err="1"/>
+              <a:t>different</a:t>
+            </a:r>
+            <a:r>
+              <a:rPr lang="es-ES" dirty="0"/>
+              <a:t> </a:t>
+            </a:r>
+            <a:r>
+              <a:rPr lang="es-ES" dirty="0" err="1"/>
+              <a:t>bodyparts</a:t>
+            </a:r>
+            <a:endParaRPr lang="es-ES" dirty="0"/>
+          </a:p>
+        </p:txBody>
+      </p:sp>
+      <p:sp>
+        <p:nvSpPr>
+          <p:cNvPr id="4" name="CuadroTexto 3">
+            <a:extLst>
+              <a:ext uri="{FF2B5EF4-FFF2-40B4-BE49-F238E27FC236}">
+                <a16:creationId xmlns:a16="http://schemas.microsoft.com/office/drawing/2014/main" id="{422576E0-F04D-4005-9427-AD4A8A010CDB}"/>
+              </a:ext>
+            </a:extLst>
+          </p:cNvPr>
+          <p:cNvSpPr txBox="1"/>
+          <p:nvPr/>
+        </p:nvSpPr>
+        <p:spPr>
+          <a:xfrm>
+            <a:off x="6652812" y="1984338"/>
+            <a:ext cx="3882683" cy="369332"/>
+          </a:xfrm>
+          <a:prstGeom prst="rect">
+            <a:avLst/>
+          </a:prstGeom>
+          <a:noFill/>
+        </p:spPr>
+        <p:txBody>
+          <a:bodyPr wrap="square" rtlCol="0">
+            <a:spAutoFit/>
+          </a:bodyPr>
+          <a:lstStyle/>
+          <a:p>
+            <a:pPr algn="ctr"/>
+            <a:r>
+              <a:rPr lang="es-ES" dirty="0" err="1"/>
+              <a:t>Device</a:t>
+            </a:r>
+            <a:r>
+              <a:rPr lang="es-ES" dirty="0"/>
+              <a:t> 2 (</a:t>
+            </a:r>
+            <a:r>
+              <a:rPr lang="es-ES" dirty="0" err="1"/>
+              <a:t>right</a:t>
+            </a:r>
+            <a:r>
+              <a:rPr lang="es-ES" dirty="0"/>
+              <a:t> </a:t>
+            </a:r>
+            <a:r>
+              <a:rPr lang="es-ES" dirty="0" err="1"/>
+              <a:t>index</a:t>
+            </a:r>
+            <a:r>
+              <a:rPr lang="es-ES" dirty="0"/>
+              <a:t> </a:t>
+            </a:r>
+            <a:r>
+              <a:rPr lang="es-ES" dirty="0" err="1"/>
+              <a:t>finger</a:t>
+            </a:r>
+            <a:r>
+              <a:rPr lang="es-ES" dirty="0"/>
+              <a:t>)</a:t>
+            </a:r>
+          </a:p>
+        </p:txBody>
+      </p:sp>
+      <p:sp>
+        <p:nvSpPr>
+          <p:cNvPr id="7" name="CuadroTexto 6">
+            <a:extLst>
+              <a:ext uri="{FF2B5EF4-FFF2-40B4-BE49-F238E27FC236}">
+                <a16:creationId xmlns:a16="http://schemas.microsoft.com/office/drawing/2014/main" id="{897679D9-2335-489B-9414-20FA18C23F05}"/>
+              </a:ext>
+            </a:extLst>
+          </p:cNvPr>
+          <p:cNvSpPr txBox="1"/>
+          <p:nvPr/>
+        </p:nvSpPr>
+        <p:spPr>
+          <a:xfrm>
+            <a:off x="1248474" y="1984338"/>
+            <a:ext cx="3882683" cy="369332"/>
+          </a:xfrm>
+          <a:prstGeom prst="rect">
+            <a:avLst/>
+          </a:prstGeom>
+          <a:noFill/>
+        </p:spPr>
+        <p:txBody>
+          <a:bodyPr wrap="square" rtlCol="0">
+            <a:spAutoFit/>
+          </a:bodyPr>
+          <a:lstStyle/>
+          <a:p>
+            <a:pPr algn="ctr"/>
+            <a:r>
+              <a:rPr lang="es-ES" dirty="0" err="1"/>
+              <a:t>Device</a:t>
+            </a:r>
+            <a:r>
+              <a:rPr lang="es-ES" dirty="0"/>
+              <a:t> 1 (</a:t>
+            </a:r>
+            <a:r>
+              <a:rPr lang="es-ES" dirty="0" err="1"/>
+              <a:t>left</a:t>
+            </a:r>
+            <a:r>
+              <a:rPr lang="es-ES" dirty="0"/>
+              <a:t> </a:t>
+            </a:r>
+            <a:r>
+              <a:rPr lang="es-ES" dirty="0" err="1"/>
+              <a:t>index</a:t>
+            </a:r>
+            <a:r>
+              <a:rPr lang="es-ES" dirty="0"/>
+              <a:t> </a:t>
+            </a:r>
+            <a:r>
+              <a:rPr lang="es-ES" dirty="0" err="1"/>
+              <a:t>finger</a:t>
+            </a:r>
+            <a:r>
+              <a:rPr lang="es-ES" dirty="0"/>
+              <a:t>)</a:t>
+            </a:r>
+          </a:p>
+        </p:txBody>
+      </p:sp>
+      <mc:AlternateContent xmlns:mc="http://schemas.openxmlformats.org/markup-compatibility/2006" xmlns:a14="http://schemas.microsoft.com/office/drawing/2010/main">
+        <mc:Choice Requires="a14">
+          <p:sp>
+            <p:nvSpPr>
+              <p:cNvPr id="5" name="CuadroTexto 4">
+                <a:extLst>
+                  <a:ext uri="{FF2B5EF4-FFF2-40B4-BE49-F238E27FC236}">
+                    <a16:creationId xmlns:a16="http://schemas.microsoft.com/office/drawing/2014/main" id="{95D4598C-3671-4C26-A9D5-FA3E37B3CFE4}"/>
+                  </a:ext>
+                </a:extLst>
+              </p:cNvPr>
+              <p:cNvSpPr txBox="1"/>
+              <p:nvPr/>
+            </p:nvSpPr>
+            <p:spPr>
+              <a:xfrm>
+                <a:off x="2758428" y="6218555"/>
+                <a:ext cx="1490986" cy="276999"/>
+              </a:xfrm>
+              <a:prstGeom prst="rect">
+                <a:avLst/>
+              </a:prstGeom>
+              <a:noFill/>
+            </p:spPr>
+            <p:txBody>
+              <a:bodyPr wrap="none" lIns="0" tIns="0" rIns="0" bIns="0" rtlCol="0">
+                <a:spAutoFit/>
+              </a:bodyPr>
+              <a:lstStyle/>
+              <a:p>
+                <a:pPr/>
+                <a14:m>
+                  <m:oMathPara xmlns:m="http://schemas.openxmlformats.org/officeDocument/2006/math">
+                    <m:oMathParaPr>
+                      <m:jc m:val="centerGroup"/>
+                    </m:oMathParaPr>
+                    <m:oMath xmlns:m="http://schemas.openxmlformats.org/officeDocument/2006/math">
+                      <m:sSub>
+                        <m:sSubPr>
+                          <m:ctrlPr>
+                            <a:rPr lang="es-ES" b="0" i="1" smtClean="0">
+                              <a:latin typeface="Cambria Math" panose="02040503050406030204" pitchFamily="18" charset="0"/>
+                            </a:rPr>
+                          </m:ctrlPr>
+                        </m:sSubPr>
+                        <m:e>
+                          <m:r>
+                            <a:rPr lang="es-ES" b="0" i="1" smtClean="0">
+                              <a:latin typeface="Cambria Math" panose="02040503050406030204" pitchFamily="18" charset="0"/>
+                            </a:rPr>
+                            <m:t>𝑓</m:t>
+                          </m:r>
+                        </m:e>
+                        <m:sub>
+                          <m:r>
+                            <a:rPr lang="es-ES" b="0" i="1" smtClean="0">
+                              <a:latin typeface="Cambria Math" panose="02040503050406030204" pitchFamily="18" charset="0"/>
+                            </a:rPr>
+                            <m:t>𝐻𝑅</m:t>
+                          </m:r>
+                        </m:sub>
+                      </m:sSub>
+                      <m:r>
+                        <a:rPr lang="es-ES" b="0" i="1" smtClean="0">
+                          <a:latin typeface="Cambria Math" panose="02040503050406030204" pitchFamily="18" charset="0"/>
+                        </a:rPr>
+                        <m:t>=78 </m:t>
+                      </m:r>
+                      <m:r>
+                        <a:rPr lang="es-ES" b="0" i="1" smtClean="0">
+                          <a:latin typeface="Cambria Math" panose="02040503050406030204" pitchFamily="18" charset="0"/>
+                        </a:rPr>
+                        <m:t>𝑏𝑝𝑚</m:t>
+                      </m:r>
+                    </m:oMath>
+                  </m:oMathPara>
+                </a14:m>
+                <a:endParaRPr lang="es-ES" dirty="0"/>
+              </a:p>
+            </p:txBody>
+          </p:sp>
+        </mc:Choice>
+        <mc:Fallback xmlns="">
+          <p:sp>
+            <p:nvSpPr>
+              <p:cNvPr id="5" name="CuadroTexto 4">
+                <a:extLst>
+                  <a:ext uri="{FF2B5EF4-FFF2-40B4-BE49-F238E27FC236}">
+                    <a16:creationId xmlns:a16="http://schemas.microsoft.com/office/drawing/2014/main" id="{95D4598C-3671-4C26-A9D5-FA3E37B3CFE4}"/>
+                  </a:ext>
+                </a:extLst>
+              </p:cNvPr>
+              <p:cNvSpPr txBox="1">
+                <a:spLocks noRot="1" noChangeAspect="1" noMove="1" noResize="1" noEditPoints="1" noAdjustHandles="1" noChangeArrowheads="1" noChangeShapeType="1" noTextEdit="1"/>
+              </p:cNvSpPr>
+              <p:nvPr/>
+            </p:nvSpPr>
+            <p:spPr>
+              <a:xfrm>
+                <a:off x="2758428" y="6218555"/>
+                <a:ext cx="1490986" cy="276999"/>
+              </a:xfrm>
+              <a:prstGeom prst="rect">
+                <a:avLst/>
+              </a:prstGeom>
+              <a:blipFill>
+                <a:blip r:embed="rId2"/>
+                <a:stretch>
+                  <a:fillRect l="-4082" t="-2174" r="-3673" b="-32609"/>
+                </a:stretch>
+              </a:blipFill>
+            </p:spPr>
+            <p:txBody>
+              <a:bodyPr/>
+              <a:lstStyle/>
+              <a:p>
+                <a:r>
+                  <a:rPr lang="es-ES">
+                    <a:noFill/>
+                  </a:rPr>
+                  <a:t> </a:t>
+                </a:r>
+              </a:p>
+            </p:txBody>
+          </p:sp>
+        </mc:Fallback>
+      </mc:AlternateContent>
+      <mc:AlternateContent xmlns:mc="http://schemas.openxmlformats.org/markup-compatibility/2006" xmlns:a14="http://schemas.microsoft.com/office/drawing/2010/main">
+        <mc:Choice Requires="a14">
+          <p:sp>
+            <p:nvSpPr>
+              <p:cNvPr id="9" name="CuadroTexto 8">
+                <a:extLst>
+                  <a:ext uri="{FF2B5EF4-FFF2-40B4-BE49-F238E27FC236}">
+                    <a16:creationId xmlns:a16="http://schemas.microsoft.com/office/drawing/2014/main" id="{EBFE7A64-7B44-4F4B-B572-7A91FC8331A3}"/>
+                  </a:ext>
+                </a:extLst>
+              </p:cNvPr>
+              <p:cNvSpPr txBox="1"/>
+              <p:nvPr/>
+            </p:nvSpPr>
+            <p:spPr>
+              <a:xfrm>
+                <a:off x="8369092" y="6218555"/>
+                <a:ext cx="1490986" cy="276999"/>
+              </a:xfrm>
+              <a:prstGeom prst="rect">
+                <a:avLst/>
+              </a:prstGeom>
+              <a:noFill/>
+            </p:spPr>
+            <p:txBody>
+              <a:bodyPr wrap="none" lIns="0" tIns="0" rIns="0" bIns="0" rtlCol="0">
+                <a:spAutoFit/>
+              </a:bodyPr>
+              <a:lstStyle/>
+              <a:p>
+                <a:pPr/>
+                <a14:m>
+                  <m:oMathPara xmlns:m="http://schemas.openxmlformats.org/officeDocument/2006/math">
+                    <m:oMathParaPr>
+                      <m:jc m:val="centerGroup"/>
+                    </m:oMathParaPr>
+                    <m:oMath xmlns:m="http://schemas.openxmlformats.org/officeDocument/2006/math">
+                      <m:sSub>
+                        <m:sSubPr>
+                          <m:ctrlPr>
+                            <a:rPr lang="es-ES" b="0" i="1" smtClean="0">
+                              <a:latin typeface="Cambria Math" panose="02040503050406030204" pitchFamily="18" charset="0"/>
+                            </a:rPr>
+                          </m:ctrlPr>
+                        </m:sSubPr>
+                        <m:e>
+                          <m:r>
+                            <a:rPr lang="es-ES" b="0" i="1" smtClean="0">
+                              <a:latin typeface="Cambria Math" panose="02040503050406030204" pitchFamily="18" charset="0"/>
+                            </a:rPr>
+                            <m:t>𝑓</m:t>
+                          </m:r>
+                        </m:e>
+                        <m:sub>
+                          <m:r>
+                            <a:rPr lang="es-ES" b="0" i="1" smtClean="0">
+                              <a:latin typeface="Cambria Math" panose="02040503050406030204" pitchFamily="18" charset="0"/>
+                            </a:rPr>
+                            <m:t>𝐻𝑅</m:t>
+                          </m:r>
+                        </m:sub>
+                      </m:sSub>
+                      <m:r>
+                        <a:rPr lang="es-ES" b="0" i="1" smtClean="0">
+                          <a:latin typeface="Cambria Math" panose="02040503050406030204" pitchFamily="18" charset="0"/>
+                        </a:rPr>
+                        <m:t>=78 </m:t>
+                      </m:r>
+                      <m:r>
+                        <a:rPr lang="es-ES" b="0" i="1" smtClean="0">
+                          <a:latin typeface="Cambria Math" panose="02040503050406030204" pitchFamily="18" charset="0"/>
+                        </a:rPr>
+                        <m:t>𝑏𝑝𝑚</m:t>
+                      </m:r>
+                    </m:oMath>
+                  </m:oMathPara>
+                </a14:m>
+                <a:endParaRPr lang="es-ES" dirty="0"/>
+              </a:p>
+            </p:txBody>
+          </p:sp>
+        </mc:Choice>
+        <mc:Fallback xmlns="">
           <p:sp>
             <p:nvSpPr>
               <p:cNvPr id="9" name="CuadroTexto 8">
@@ -5249,8 +5251,8 @@
           </a:p>
         </p:txBody>
       </p:sp>
-      <mc:AlternateContent xmlns:mc="http://schemas.openxmlformats.org/markup-compatibility/2006">
-        <mc:Choice xmlns:a14="http://schemas.microsoft.com/office/drawing/2010/main" Requires="a14">
+      <mc:AlternateContent xmlns:mc="http://schemas.openxmlformats.org/markup-compatibility/2006" xmlns:a14="http://schemas.microsoft.com/office/drawing/2010/main">
+        <mc:Choice Requires="a14">
           <p:sp>
             <p:nvSpPr>
               <p:cNvPr id="5" name="CuadroTexto 4">
@@ -5315,19 +5317,7 @@
                         <a:rPr lang="es-ES" b="0" i="1" smtClean="0">
                           <a:latin typeface="Cambria Math" panose="02040503050406030204" pitchFamily="18" charset="0"/>
                         </a:rPr>
-                        <m:t>=</m:t>
-                      </m:r>
-                      <m:r>
-                        <a:rPr lang="es-ES" b="0" i="1" smtClean="0">
-                          <a:latin typeface="Cambria Math" panose="02040503050406030204" pitchFamily="18" charset="0"/>
-                        </a:rPr>
-                        <m:t>60</m:t>
-                      </m:r>
-                      <m:r>
-                        <a:rPr lang="es-ES" b="0" i="1" smtClean="0">
-                          <a:latin typeface="Cambria Math" panose="02040503050406030204" pitchFamily="18" charset="0"/>
-                        </a:rPr>
-                        <m:t> </m:t>
+                        <m:t>=60 </m:t>
                       </m:r>
                       <m:r>
                         <a:rPr lang="es-ES" b="0" i="1" smtClean="0">
@@ -5343,7 +5333,7 @@
             </p:txBody>
           </p:sp>
         </mc:Choice>
-        <mc:Fallback>
+        <mc:Fallback xmlns="">
           <p:sp>
             <p:nvSpPr>
               <p:cNvPr id="5" name="CuadroTexto 4">
@@ -5388,8 +5378,8 @@
           </p:sp>
         </mc:Fallback>
       </mc:AlternateContent>
-      <mc:AlternateContent xmlns:mc="http://schemas.openxmlformats.org/markup-compatibility/2006">
-        <mc:Choice xmlns:a14="http://schemas.microsoft.com/office/drawing/2010/main" Requires="a14">
+      <mc:AlternateContent xmlns:mc="http://schemas.openxmlformats.org/markup-compatibility/2006" xmlns:a14="http://schemas.microsoft.com/office/drawing/2010/main">
+        <mc:Choice Requires="a14">
           <p:sp>
             <p:nvSpPr>
               <p:cNvPr id="9" name="CuadroTexto 8">
@@ -5489,7 +5479,7 @@
             </p:txBody>
           </p:sp>
         </mc:Choice>
-        <mc:Fallback>
+        <mc:Fallback xmlns="">
           <p:sp>
             <p:nvSpPr>
               <p:cNvPr id="9" name="CuadroTexto 8">
@@ -5776,8 +5766,8 @@
           </a:p>
         </p:txBody>
       </p:sp>
-      <mc:AlternateContent xmlns:mc="http://schemas.openxmlformats.org/markup-compatibility/2006">
-        <mc:Choice xmlns:a14="http://schemas.microsoft.com/office/drawing/2010/main" Requires="a14">
+      <mc:AlternateContent xmlns:mc="http://schemas.openxmlformats.org/markup-compatibility/2006" xmlns:a14="http://schemas.microsoft.com/office/drawing/2010/main">
+        <mc:Choice Requires="a14">
           <p:sp>
             <p:nvSpPr>
               <p:cNvPr id="5" name="CuadroTexto 4">
@@ -5842,19 +5832,7 @@
                         <a:rPr lang="es-ES" b="0" i="1" smtClean="0">
                           <a:latin typeface="Cambria Math" panose="02040503050406030204" pitchFamily="18" charset="0"/>
                         </a:rPr>
-                        <m:t>=</m:t>
-                      </m:r>
-                      <m:r>
-                        <a:rPr lang="es-ES" b="0" i="1" smtClean="0">
-                          <a:latin typeface="Cambria Math" panose="02040503050406030204" pitchFamily="18" charset="0"/>
-                        </a:rPr>
-                        <m:t>60</m:t>
-                      </m:r>
-                      <m:r>
-                        <a:rPr lang="es-ES" b="0" i="1" smtClean="0">
-                          <a:latin typeface="Cambria Math" panose="02040503050406030204" pitchFamily="18" charset="0"/>
-                        </a:rPr>
-                        <m:t> </m:t>
+                        <m:t>=60 </m:t>
                       </m:r>
                       <m:r>
                         <a:rPr lang="es-ES" b="0" i="1" smtClean="0">
@@ -5870,7 +5848,7 @@
             </p:txBody>
           </p:sp>
         </mc:Choice>
-        <mc:Fallback>
+        <mc:Fallback xmlns="">
           <p:sp>
             <p:nvSpPr>
               <p:cNvPr id="5" name="CuadroTexto 4">
@@ -5915,8 +5893,8 @@
           </p:sp>
         </mc:Fallback>
       </mc:AlternateContent>
-      <mc:AlternateContent xmlns:mc="http://schemas.openxmlformats.org/markup-compatibility/2006">
-        <mc:Choice xmlns:a14="http://schemas.microsoft.com/office/drawing/2010/main" Requires="a14">
+      <mc:AlternateContent xmlns:mc="http://schemas.openxmlformats.org/markup-compatibility/2006" xmlns:a14="http://schemas.microsoft.com/office/drawing/2010/main">
+        <mc:Choice Requires="a14">
           <p:sp>
             <p:nvSpPr>
               <p:cNvPr id="9" name="CuadroTexto 8">
@@ -5993,25 +5971,7 @@
                           </a:solidFill>
                           <a:latin typeface="Cambria Math" panose="02040503050406030204" pitchFamily="18" charset="0"/>
                         </a:rPr>
-                        <m:t>=</m:t>
-                      </m:r>
-                      <m:r>
-                        <a:rPr lang="es-ES" b="0" i="1" smtClean="0">
-                          <a:solidFill>
-                            <a:srgbClr val="FF0000"/>
-                          </a:solidFill>
-                          <a:latin typeface="Cambria Math" panose="02040503050406030204" pitchFamily="18" charset="0"/>
-                        </a:rPr>
-                        <m:t>27</m:t>
-                      </m:r>
-                      <m:r>
-                        <a:rPr lang="es-ES" b="0" i="1" smtClean="0">
-                          <a:solidFill>
-                            <a:srgbClr val="FF0000"/>
-                          </a:solidFill>
-                          <a:latin typeface="Cambria Math" panose="02040503050406030204" pitchFamily="18" charset="0"/>
-                        </a:rPr>
-                        <m:t> </m:t>
+                        <m:t>=27 </m:t>
                       </m:r>
                       <m:r>
                         <a:rPr lang="es-ES" b="0" i="1" smtClean="0">
@@ -6034,7 +5994,7 @@
             </p:txBody>
           </p:sp>
         </mc:Choice>
-        <mc:Fallback>
+        <mc:Fallback xmlns="">
           <p:sp>
             <p:nvSpPr>
               <p:cNvPr id="9" name="CuadroTexto 8">
@@ -8598,8 +8558,8 @@
           </a:extLst>
         </p:spPr>
       </p:pic>
-      <mc:AlternateContent xmlns:mc="http://schemas.openxmlformats.org/markup-compatibility/2006">
-        <mc:Choice xmlns:a14="http://schemas.microsoft.com/office/drawing/2010/main" Requires="a14">
+      <mc:AlternateContent xmlns:mc="http://schemas.openxmlformats.org/markup-compatibility/2006" xmlns:a14="http://schemas.microsoft.com/office/drawing/2010/main">
+        <mc:Choice Requires="a14">
           <p:sp>
             <p:nvSpPr>
               <p:cNvPr id="4" name="CuadroTexto 3">
@@ -8744,7 +8704,7 @@
             </p:txBody>
           </p:sp>
         </mc:Choice>
-        <mc:Fallback>
+        <mc:Fallback xmlns="">
           <p:sp>
             <p:nvSpPr>
               <p:cNvPr id="4" name="CuadroTexto 3">
@@ -9114,8 +9074,8 @@
               </a:p>
             </p:txBody>
           </p:sp>
-          <mc:AlternateContent xmlns:mc="http://schemas.openxmlformats.org/markup-compatibility/2006">
-            <mc:Choice xmlns:a14="http://schemas.microsoft.com/office/drawing/2010/main" Requires="a14">
+          <mc:AlternateContent xmlns:mc="http://schemas.openxmlformats.org/markup-compatibility/2006" xmlns:a14="http://schemas.microsoft.com/office/drawing/2010/main">
+            <mc:Choice Requires="a14">
               <p:sp>
                 <p:nvSpPr>
                   <p:cNvPr id="10" name="Rectángulo 9">
@@ -9290,7 +9250,7 @@
                 </p:txBody>
               </p:sp>
             </mc:Choice>
-            <mc:Fallback>
+            <mc:Fallback xmlns="">
               <p:sp>
                 <p:nvSpPr>
                   <p:cNvPr id="10" name="Rectángulo 9">
@@ -9548,8 +9508,8 @@
               </a:p>
             </p:txBody>
           </p:sp>
-          <mc:AlternateContent xmlns:mc="http://schemas.openxmlformats.org/markup-compatibility/2006">
-            <mc:Choice xmlns:a14="http://schemas.microsoft.com/office/drawing/2010/main" Requires="a14">
+          <mc:AlternateContent xmlns:mc="http://schemas.openxmlformats.org/markup-compatibility/2006" xmlns:a14="http://schemas.microsoft.com/office/drawing/2010/main">
+            <mc:Choice Requires="a14">
               <p:sp>
                 <p:nvSpPr>
                   <p:cNvPr id="17" name="Rectángulo 16">
@@ -9677,7 +9637,7 @@
                 </p:txBody>
               </p:sp>
             </mc:Choice>
-            <mc:Fallback>
+            <mc:Fallback xmlns="">
               <p:sp>
                 <p:nvSpPr>
                   <p:cNvPr id="17" name="Rectángulo 16">
@@ -9805,8 +9765,8 @@
               </a:fontRef>
             </p:style>
           </p:cxnSp>
-          <mc:AlternateContent xmlns:mc="http://schemas.openxmlformats.org/markup-compatibility/2006">
-            <mc:Choice xmlns:a14="http://schemas.microsoft.com/office/drawing/2010/main" Requires="a14">
+          <mc:AlternateContent xmlns:mc="http://schemas.openxmlformats.org/markup-compatibility/2006" xmlns:a14="http://schemas.microsoft.com/office/drawing/2010/main">
+            <mc:Choice Requires="a14">
               <p:sp>
                 <p:nvSpPr>
                   <p:cNvPr id="20" name="CuadroTexto 19">
@@ -9875,7 +9835,7 @@
                 </p:txBody>
               </p:sp>
             </mc:Choice>
-            <mc:Fallback>
+            <mc:Fallback xmlns="">
               <p:sp>
                 <p:nvSpPr>
                   <p:cNvPr id="20" name="CuadroTexto 19">
@@ -10197,8 +10157,8 @@
           </a:p>
         </p:txBody>
       </p:sp>
-      <mc:AlternateContent xmlns:mc="http://schemas.openxmlformats.org/markup-compatibility/2006">
-        <mc:Choice xmlns:a14="http://schemas.microsoft.com/office/drawing/2010/main" Requires="a14">
+      <mc:AlternateContent xmlns:mc="http://schemas.openxmlformats.org/markup-compatibility/2006" xmlns:a14="http://schemas.microsoft.com/office/drawing/2010/main">
+        <mc:Choice Requires="a14">
           <p:sp>
             <p:nvSpPr>
               <p:cNvPr id="3" name="CuadroTexto 2">
@@ -10227,6 +10187,7 @@
               </a:bodyPr>
               <a:lstStyle/>
               <a:p>
+                <a:pPr/>
                 <a14:m>
                   <m:oMathPara xmlns:m="http://schemas.openxmlformats.org/officeDocument/2006/math">
                     <m:oMathParaPr>
@@ -10284,7 +10245,7 @@
             </p:txBody>
           </p:sp>
         </mc:Choice>
-        <mc:Fallback>
+        <mc:Fallback xmlns="">
           <p:sp>
             <p:nvSpPr>
               <p:cNvPr id="3" name="CuadroTexto 2">
